--- a/ppt 16-9/0844.祝福我的家.pptx
+++ b/ppt 16-9/0844.祝福我的家.pptx
@@ -129,7 +129,7 @@
           <p:cNvPr id="2" name="标题 1">
             <a:extLst>
               <a:ext uri="{FF2B5EF4-FFF2-40B4-BE49-F238E27FC236}">
-                <a16:creationId xmlns:a16="http://schemas.microsoft.com/office/drawing/2014/main" id="{89EF1473-AF0C-3C8D-BAB2-C99986E95E36}"/>
+                <a16:creationId xmlns:a16="http://schemas.microsoft.com/office/drawing/2014/main" id="{DBBF55F7-C4C6-E659-C213-43BBD63EF416}"/>
               </a:ext>
             </a:extLst>
           </p:cNvPr>
@@ -166,7 +166,7 @@
           <p:cNvPr id="3" name="副标题 2">
             <a:extLst>
               <a:ext uri="{FF2B5EF4-FFF2-40B4-BE49-F238E27FC236}">
-                <a16:creationId xmlns:a16="http://schemas.microsoft.com/office/drawing/2014/main" id="{B2EFDE5A-74FE-5CFE-27F6-7FCC3823EA3A}"/>
+                <a16:creationId xmlns:a16="http://schemas.microsoft.com/office/drawing/2014/main" id="{FC25F1BC-0758-57CD-2E2E-BF9D9ED90CA0}"/>
               </a:ext>
             </a:extLst>
           </p:cNvPr>
@@ -236,7 +236,7 @@
           <p:cNvPr id="4" name="日期占位符 3">
             <a:extLst>
               <a:ext uri="{FF2B5EF4-FFF2-40B4-BE49-F238E27FC236}">
-                <a16:creationId xmlns:a16="http://schemas.microsoft.com/office/drawing/2014/main" id="{4DEDA557-9C99-28FB-8083-729226976EB3}"/>
+                <a16:creationId xmlns:a16="http://schemas.microsoft.com/office/drawing/2014/main" id="{C9F268F6-8582-B9C9-DF76-339A579FFF7A}"/>
               </a:ext>
             </a:extLst>
           </p:cNvPr>
@@ -252,7 +252,7 @@
           <a:bodyPr/>
           <a:lstStyle/>
           <a:p>
-            <a:fld id="{095520ED-AA12-4AFE-8D86-6B2E6900762B}" type="datetimeFigureOut">
+            <a:fld id="{A479927D-8947-4D64-9BFA-D13DA818304B}" type="datetimeFigureOut">
               <a:rPr lang="zh-CN" altLang="en-US" smtClean="0"/>
               <a:t>2024/3/10</a:t>
             </a:fld>
@@ -265,7 +265,7 @@
           <p:cNvPr id="5" name="页脚占位符 4">
             <a:extLst>
               <a:ext uri="{FF2B5EF4-FFF2-40B4-BE49-F238E27FC236}">
-                <a16:creationId xmlns:a16="http://schemas.microsoft.com/office/drawing/2014/main" id="{17DE013D-CCED-4724-3788-57F45EAFEEB6}"/>
+                <a16:creationId xmlns:a16="http://schemas.microsoft.com/office/drawing/2014/main" id="{89FDB928-23FA-7A5F-E46A-287B0DB79BA8}"/>
               </a:ext>
             </a:extLst>
           </p:cNvPr>
@@ -290,7 +290,7 @@
           <p:cNvPr id="6" name="灯片编号占位符 5">
             <a:extLst>
               <a:ext uri="{FF2B5EF4-FFF2-40B4-BE49-F238E27FC236}">
-                <a16:creationId xmlns:a16="http://schemas.microsoft.com/office/drawing/2014/main" id="{822F2E38-2EED-813B-B3B2-52C9B10F6B73}"/>
+                <a16:creationId xmlns:a16="http://schemas.microsoft.com/office/drawing/2014/main" id="{353ACD00-DB7F-BB6A-56D6-A45E5CBE4FEF}"/>
               </a:ext>
             </a:extLst>
           </p:cNvPr>
@@ -306,7 +306,7 @@
           <a:bodyPr/>
           <a:lstStyle/>
           <a:p>
-            <a:fld id="{F245C698-53E8-47EB-9A5D-D3CA7EFC5388}" type="slidenum">
+            <a:fld id="{690568A8-2B20-4554-B004-A544ED699AD9}" type="slidenum">
               <a:rPr lang="zh-CN" altLang="en-US" smtClean="0"/>
               <a:t>‹#›</a:t>
             </a:fld>
@@ -317,7 +317,7 @@
     </p:spTree>
     <p:extLst>
       <p:ext uri="{BB962C8B-B14F-4D97-AF65-F5344CB8AC3E}">
-        <p14:creationId xmlns:p14="http://schemas.microsoft.com/office/powerpoint/2010/main" val="78615898"/>
+        <p14:creationId xmlns:p14="http://schemas.microsoft.com/office/powerpoint/2010/main" val="229085865"/>
       </p:ext>
     </p:extLst>
   </p:cSld>
@@ -349,7 +349,7 @@
           <p:cNvPr id="2" name="标题 1">
             <a:extLst>
               <a:ext uri="{FF2B5EF4-FFF2-40B4-BE49-F238E27FC236}">
-                <a16:creationId xmlns:a16="http://schemas.microsoft.com/office/drawing/2014/main" id="{74931379-82B6-3506-CFF0-EF63776ECE55}"/>
+                <a16:creationId xmlns:a16="http://schemas.microsoft.com/office/drawing/2014/main" id="{E65EFCBC-E024-1121-1C79-278231F4F0C8}"/>
               </a:ext>
             </a:extLst>
           </p:cNvPr>
@@ -377,7 +377,7 @@
           <p:cNvPr id="3" name="竖排文字占位符 2">
             <a:extLst>
               <a:ext uri="{FF2B5EF4-FFF2-40B4-BE49-F238E27FC236}">
-                <a16:creationId xmlns:a16="http://schemas.microsoft.com/office/drawing/2014/main" id="{0C738A2C-A297-2AB8-28A9-3F775120032A}"/>
+                <a16:creationId xmlns:a16="http://schemas.microsoft.com/office/drawing/2014/main" id="{E5A784D3-101D-BB8D-3164-C45A2553AC7A}"/>
               </a:ext>
             </a:extLst>
           </p:cNvPr>
@@ -434,7 +434,7 @@
           <p:cNvPr id="4" name="日期占位符 3">
             <a:extLst>
               <a:ext uri="{FF2B5EF4-FFF2-40B4-BE49-F238E27FC236}">
-                <a16:creationId xmlns:a16="http://schemas.microsoft.com/office/drawing/2014/main" id="{4C31C220-9E24-B550-A5CC-568CC286C5C6}"/>
+                <a16:creationId xmlns:a16="http://schemas.microsoft.com/office/drawing/2014/main" id="{B7FBB32B-D546-F941-9AF7-6435506B7C18}"/>
               </a:ext>
             </a:extLst>
           </p:cNvPr>
@@ -450,7 +450,7 @@
           <a:bodyPr/>
           <a:lstStyle/>
           <a:p>
-            <a:fld id="{095520ED-AA12-4AFE-8D86-6B2E6900762B}" type="datetimeFigureOut">
+            <a:fld id="{A479927D-8947-4D64-9BFA-D13DA818304B}" type="datetimeFigureOut">
               <a:rPr lang="zh-CN" altLang="en-US" smtClean="0"/>
               <a:t>2024/3/10</a:t>
             </a:fld>
@@ -463,7 +463,7 @@
           <p:cNvPr id="5" name="页脚占位符 4">
             <a:extLst>
               <a:ext uri="{FF2B5EF4-FFF2-40B4-BE49-F238E27FC236}">
-                <a16:creationId xmlns:a16="http://schemas.microsoft.com/office/drawing/2014/main" id="{C85A67EB-9C78-0ADA-A2BB-08C4060931E5}"/>
+                <a16:creationId xmlns:a16="http://schemas.microsoft.com/office/drawing/2014/main" id="{C0137988-47FE-B862-EFA4-4DA997D10029}"/>
               </a:ext>
             </a:extLst>
           </p:cNvPr>
@@ -488,7 +488,7 @@
           <p:cNvPr id="6" name="灯片编号占位符 5">
             <a:extLst>
               <a:ext uri="{FF2B5EF4-FFF2-40B4-BE49-F238E27FC236}">
-                <a16:creationId xmlns:a16="http://schemas.microsoft.com/office/drawing/2014/main" id="{9A12DCD6-C4B1-2969-90EF-C47F4755EDF9}"/>
+                <a16:creationId xmlns:a16="http://schemas.microsoft.com/office/drawing/2014/main" id="{820A3CDA-01B4-62EF-23E7-049378B70E7B}"/>
               </a:ext>
             </a:extLst>
           </p:cNvPr>
@@ -504,7 +504,7 @@
           <a:bodyPr/>
           <a:lstStyle/>
           <a:p>
-            <a:fld id="{F245C698-53E8-47EB-9A5D-D3CA7EFC5388}" type="slidenum">
+            <a:fld id="{690568A8-2B20-4554-B004-A544ED699AD9}" type="slidenum">
               <a:rPr lang="zh-CN" altLang="en-US" smtClean="0"/>
               <a:t>‹#›</a:t>
             </a:fld>
@@ -515,7 +515,7 @@
     </p:spTree>
     <p:extLst>
       <p:ext uri="{BB962C8B-B14F-4D97-AF65-F5344CB8AC3E}">
-        <p14:creationId xmlns:p14="http://schemas.microsoft.com/office/powerpoint/2010/main" val="2843116468"/>
+        <p14:creationId xmlns:p14="http://schemas.microsoft.com/office/powerpoint/2010/main" val="481181164"/>
       </p:ext>
     </p:extLst>
   </p:cSld>
@@ -547,7 +547,7 @@
           <p:cNvPr id="2" name="竖排标题 1">
             <a:extLst>
               <a:ext uri="{FF2B5EF4-FFF2-40B4-BE49-F238E27FC236}">
-                <a16:creationId xmlns:a16="http://schemas.microsoft.com/office/drawing/2014/main" id="{431CD7B8-DD5E-F334-2557-4CA549517DE8}"/>
+                <a16:creationId xmlns:a16="http://schemas.microsoft.com/office/drawing/2014/main" id="{C7100593-BA72-263C-5C4B-21F1721E91C9}"/>
               </a:ext>
             </a:extLst>
           </p:cNvPr>
@@ -580,7 +580,7 @@
           <p:cNvPr id="3" name="竖排文字占位符 2">
             <a:extLst>
               <a:ext uri="{FF2B5EF4-FFF2-40B4-BE49-F238E27FC236}">
-                <a16:creationId xmlns:a16="http://schemas.microsoft.com/office/drawing/2014/main" id="{07DFB92B-8C70-443B-55DB-CBA7F3CCC4E0}"/>
+                <a16:creationId xmlns:a16="http://schemas.microsoft.com/office/drawing/2014/main" id="{95275563-06CE-EA76-9F9D-FDEC4828209C}"/>
               </a:ext>
             </a:extLst>
           </p:cNvPr>
@@ -642,7 +642,7 @@
           <p:cNvPr id="4" name="日期占位符 3">
             <a:extLst>
               <a:ext uri="{FF2B5EF4-FFF2-40B4-BE49-F238E27FC236}">
-                <a16:creationId xmlns:a16="http://schemas.microsoft.com/office/drawing/2014/main" id="{529946C1-9B77-3D94-8979-BD4727FF24B8}"/>
+                <a16:creationId xmlns:a16="http://schemas.microsoft.com/office/drawing/2014/main" id="{FE9DE847-404C-611D-97BD-F73372A2CFFA}"/>
               </a:ext>
             </a:extLst>
           </p:cNvPr>
@@ -658,7 +658,7 @@
           <a:bodyPr/>
           <a:lstStyle/>
           <a:p>
-            <a:fld id="{095520ED-AA12-4AFE-8D86-6B2E6900762B}" type="datetimeFigureOut">
+            <a:fld id="{A479927D-8947-4D64-9BFA-D13DA818304B}" type="datetimeFigureOut">
               <a:rPr lang="zh-CN" altLang="en-US" smtClean="0"/>
               <a:t>2024/3/10</a:t>
             </a:fld>
@@ -671,7 +671,7 @@
           <p:cNvPr id="5" name="页脚占位符 4">
             <a:extLst>
               <a:ext uri="{FF2B5EF4-FFF2-40B4-BE49-F238E27FC236}">
-                <a16:creationId xmlns:a16="http://schemas.microsoft.com/office/drawing/2014/main" id="{F3FC180D-8062-AE23-B4E7-5EAB457DF809}"/>
+                <a16:creationId xmlns:a16="http://schemas.microsoft.com/office/drawing/2014/main" id="{36021F2C-01B4-9E76-A6EC-1371E29CAC7D}"/>
               </a:ext>
             </a:extLst>
           </p:cNvPr>
@@ -696,7 +696,7 @@
           <p:cNvPr id="6" name="灯片编号占位符 5">
             <a:extLst>
               <a:ext uri="{FF2B5EF4-FFF2-40B4-BE49-F238E27FC236}">
-                <a16:creationId xmlns:a16="http://schemas.microsoft.com/office/drawing/2014/main" id="{4904430C-B305-1540-F4A1-2ECC1F6EF4FB}"/>
+                <a16:creationId xmlns:a16="http://schemas.microsoft.com/office/drawing/2014/main" id="{8A73058D-7A8E-5D11-113E-89B65518E721}"/>
               </a:ext>
             </a:extLst>
           </p:cNvPr>
@@ -712,7 +712,7 @@
           <a:bodyPr/>
           <a:lstStyle/>
           <a:p>
-            <a:fld id="{F245C698-53E8-47EB-9A5D-D3CA7EFC5388}" type="slidenum">
+            <a:fld id="{690568A8-2B20-4554-B004-A544ED699AD9}" type="slidenum">
               <a:rPr lang="zh-CN" altLang="en-US" smtClean="0"/>
               <a:t>‹#›</a:t>
             </a:fld>
@@ -723,7 +723,7 @@
     </p:spTree>
     <p:extLst>
       <p:ext uri="{BB962C8B-B14F-4D97-AF65-F5344CB8AC3E}">
-        <p14:creationId xmlns:p14="http://schemas.microsoft.com/office/powerpoint/2010/main" val="886001342"/>
+        <p14:creationId xmlns:p14="http://schemas.microsoft.com/office/powerpoint/2010/main" val="1163212871"/>
       </p:ext>
     </p:extLst>
   </p:cSld>
@@ -755,7 +755,7 @@
           <p:cNvPr id="2" name="标题 1">
             <a:extLst>
               <a:ext uri="{FF2B5EF4-FFF2-40B4-BE49-F238E27FC236}">
-                <a16:creationId xmlns:a16="http://schemas.microsoft.com/office/drawing/2014/main" id="{1365EFE4-E28C-7499-D65D-242BAA9A9BE0}"/>
+                <a16:creationId xmlns:a16="http://schemas.microsoft.com/office/drawing/2014/main" id="{F33CEDCF-1430-4807-C096-5DF6EC5FA9D4}"/>
               </a:ext>
             </a:extLst>
           </p:cNvPr>
@@ -783,7 +783,7 @@
           <p:cNvPr id="3" name="内容占位符 2">
             <a:extLst>
               <a:ext uri="{FF2B5EF4-FFF2-40B4-BE49-F238E27FC236}">
-                <a16:creationId xmlns:a16="http://schemas.microsoft.com/office/drawing/2014/main" id="{14D81AC5-E1BF-9089-4A06-BCDE8219132F}"/>
+                <a16:creationId xmlns:a16="http://schemas.microsoft.com/office/drawing/2014/main" id="{0B4ACD09-AA16-F740-4800-B2AB22CFAF7F}"/>
               </a:ext>
             </a:extLst>
           </p:cNvPr>
@@ -840,7 +840,7 @@
           <p:cNvPr id="4" name="日期占位符 3">
             <a:extLst>
               <a:ext uri="{FF2B5EF4-FFF2-40B4-BE49-F238E27FC236}">
-                <a16:creationId xmlns:a16="http://schemas.microsoft.com/office/drawing/2014/main" id="{F771904C-2A8C-5579-C414-63EC93EC1361}"/>
+                <a16:creationId xmlns:a16="http://schemas.microsoft.com/office/drawing/2014/main" id="{9E1F28E4-A542-9404-9F65-8566578AF4E2}"/>
               </a:ext>
             </a:extLst>
           </p:cNvPr>
@@ -856,7 +856,7 @@
           <a:bodyPr/>
           <a:lstStyle/>
           <a:p>
-            <a:fld id="{095520ED-AA12-4AFE-8D86-6B2E6900762B}" type="datetimeFigureOut">
+            <a:fld id="{A479927D-8947-4D64-9BFA-D13DA818304B}" type="datetimeFigureOut">
               <a:rPr lang="zh-CN" altLang="en-US" smtClean="0"/>
               <a:t>2024/3/10</a:t>
             </a:fld>
@@ -869,7 +869,7 @@
           <p:cNvPr id="5" name="页脚占位符 4">
             <a:extLst>
               <a:ext uri="{FF2B5EF4-FFF2-40B4-BE49-F238E27FC236}">
-                <a16:creationId xmlns:a16="http://schemas.microsoft.com/office/drawing/2014/main" id="{667495AC-BC2C-6B85-F9C0-1A01C6644310}"/>
+                <a16:creationId xmlns:a16="http://schemas.microsoft.com/office/drawing/2014/main" id="{FB6D2BC3-5F81-0D11-B2BA-C5573ED1243F}"/>
               </a:ext>
             </a:extLst>
           </p:cNvPr>
@@ -894,7 +894,7 @@
           <p:cNvPr id="6" name="灯片编号占位符 5">
             <a:extLst>
               <a:ext uri="{FF2B5EF4-FFF2-40B4-BE49-F238E27FC236}">
-                <a16:creationId xmlns:a16="http://schemas.microsoft.com/office/drawing/2014/main" id="{B74FA215-ECE9-B14C-1ADC-4ACE042DEDA2}"/>
+                <a16:creationId xmlns:a16="http://schemas.microsoft.com/office/drawing/2014/main" id="{CB4DA338-E386-2498-C174-D534A8BEAA7A}"/>
               </a:ext>
             </a:extLst>
           </p:cNvPr>
@@ -910,7 +910,7 @@
           <a:bodyPr/>
           <a:lstStyle/>
           <a:p>
-            <a:fld id="{F245C698-53E8-47EB-9A5D-D3CA7EFC5388}" type="slidenum">
+            <a:fld id="{690568A8-2B20-4554-B004-A544ED699AD9}" type="slidenum">
               <a:rPr lang="zh-CN" altLang="en-US" smtClean="0"/>
               <a:t>‹#›</a:t>
             </a:fld>
@@ -921,7 +921,7 @@
     </p:spTree>
     <p:extLst>
       <p:ext uri="{BB962C8B-B14F-4D97-AF65-F5344CB8AC3E}">
-        <p14:creationId xmlns:p14="http://schemas.microsoft.com/office/powerpoint/2010/main" val="1906154711"/>
+        <p14:creationId xmlns:p14="http://schemas.microsoft.com/office/powerpoint/2010/main" val="3703537975"/>
       </p:ext>
     </p:extLst>
   </p:cSld>
@@ -953,7 +953,7 @@
           <p:cNvPr id="2" name="标题 1">
             <a:extLst>
               <a:ext uri="{FF2B5EF4-FFF2-40B4-BE49-F238E27FC236}">
-                <a16:creationId xmlns:a16="http://schemas.microsoft.com/office/drawing/2014/main" id="{CB6C9A96-8F31-85E6-9EBD-E7577DB6B8E9}"/>
+                <a16:creationId xmlns:a16="http://schemas.microsoft.com/office/drawing/2014/main" id="{FB3D36D8-F380-6603-0813-6648475E51B6}"/>
               </a:ext>
             </a:extLst>
           </p:cNvPr>
@@ -990,7 +990,7 @@
           <p:cNvPr id="3" name="文本占位符 2">
             <a:extLst>
               <a:ext uri="{FF2B5EF4-FFF2-40B4-BE49-F238E27FC236}">
-                <a16:creationId xmlns:a16="http://schemas.microsoft.com/office/drawing/2014/main" id="{A9B3516F-8E12-B7BD-B9AB-8F7900205B7D}"/>
+                <a16:creationId xmlns:a16="http://schemas.microsoft.com/office/drawing/2014/main" id="{E436AA95-F331-742F-17A9-719ED2DFE6C5}"/>
               </a:ext>
             </a:extLst>
           </p:cNvPr>
@@ -1115,7 +1115,7 @@
           <p:cNvPr id="4" name="日期占位符 3">
             <a:extLst>
               <a:ext uri="{FF2B5EF4-FFF2-40B4-BE49-F238E27FC236}">
-                <a16:creationId xmlns:a16="http://schemas.microsoft.com/office/drawing/2014/main" id="{0A168A8A-74D7-3182-2AAF-E25B36D80E33}"/>
+                <a16:creationId xmlns:a16="http://schemas.microsoft.com/office/drawing/2014/main" id="{2CEC0BFA-ED24-A2D3-C017-EA29EF327534}"/>
               </a:ext>
             </a:extLst>
           </p:cNvPr>
@@ -1131,7 +1131,7 @@
           <a:bodyPr/>
           <a:lstStyle/>
           <a:p>
-            <a:fld id="{095520ED-AA12-4AFE-8D86-6B2E6900762B}" type="datetimeFigureOut">
+            <a:fld id="{A479927D-8947-4D64-9BFA-D13DA818304B}" type="datetimeFigureOut">
               <a:rPr lang="zh-CN" altLang="en-US" smtClean="0"/>
               <a:t>2024/3/10</a:t>
             </a:fld>
@@ -1144,7 +1144,7 @@
           <p:cNvPr id="5" name="页脚占位符 4">
             <a:extLst>
               <a:ext uri="{FF2B5EF4-FFF2-40B4-BE49-F238E27FC236}">
-                <a16:creationId xmlns:a16="http://schemas.microsoft.com/office/drawing/2014/main" id="{6B92096E-6E0F-486E-8FBA-0318D82BCE8C}"/>
+                <a16:creationId xmlns:a16="http://schemas.microsoft.com/office/drawing/2014/main" id="{BBBD07B0-DA31-DAAA-A2C8-40A6DC4025FA}"/>
               </a:ext>
             </a:extLst>
           </p:cNvPr>
@@ -1169,7 +1169,7 @@
           <p:cNvPr id="6" name="灯片编号占位符 5">
             <a:extLst>
               <a:ext uri="{FF2B5EF4-FFF2-40B4-BE49-F238E27FC236}">
-                <a16:creationId xmlns:a16="http://schemas.microsoft.com/office/drawing/2014/main" id="{776DC21C-F329-EA59-D00F-B0F621909B58}"/>
+                <a16:creationId xmlns:a16="http://schemas.microsoft.com/office/drawing/2014/main" id="{487C77FD-9053-3806-2236-DCCF5A1B5C22}"/>
               </a:ext>
             </a:extLst>
           </p:cNvPr>
@@ -1185,7 +1185,7 @@
           <a:bodyPr/>
           <a:lstStyle/>
           <a:p>
-            <a:fld id="{F245C698-53E8-47EB-9A5D-D3CA7EFC5388}" type="slidenum">
+            <a:fld id="{690568A8-2B20-4554-B004-A544ED699AD9}" type="slidenum">
               <a:rPr lang="zh-CN" altLang="en-US" smtClean="0"/>
               <a:t>‹#›</a:t>
             </a:fld>
@@ -1196,7 +1196,7 @@
     </p:spTree>
     <p:extLst>
       <p:ext uri="{BB962C8B-B14F-4D97-AF65-F5344CB8AC3E}">
-        <p14:creationId xmlns:p14="http://schemas.microsoft.com/office/powerpoint/2010/main" val="2548631729"/>
+        <p14:creationId xmlns:p14="http://schemas.microsoft.com/office/powerpoint/2010/main" val="1942734448"/>
       </p:ext>
     </p:extLst>
   </p:cSld>
@@ -1228,7 +1228,7 @@
           <p:cNvPr id="2" name="标题 1">
             <a:extLst>
               <a:ext uri="{FF2B5EF4-FFF2-40B4-BE49-F238E27FC236}">
-                <a16:creationId xmlns:a16="http://schemas.microsoft.com/office/drawing/2014/main" id="{79666ED5-88E7-0FFD-34D1-CA621D6835DF}"/>
+                <a16:creationId xmlns:a16="http://schemas.microsoft.com/office/drawing/2014/main" id="{E13A1DEC-EA53-BF1F-9041-E0D698A00A71}"/>
               </a:ext>
             </a:extLst>
           </p:cNvPr>
@@ -1256,7 +1256,7 @@
           <p:cNvPr id="3" name="内容占位符 2">
             <a:extLst>
               <a:ext uri="{FF2B5EF4-FFF2-40B4-BE49-F238E27FC236}">
-                <a16:creationId xmlns:a16="http://schemas.microsoft.com/office/drawing/2014/main" id="{A5FB8A9D-D60F-8E2E-C008-89CD63474717}"/>
+                <a16:creationId xmlns:a16="http://schemas.microsoft.com/office/drawing/2014/main" id="{9CE074B8-0270-86C9-1478-0A8DD32D2DC1}"/>
               </a:ext>
             </a:extLst>
           </p:cNvPr>
@@ -1318,7 +1318,7 @@
           <p:cNvPr id="4" name="内容占位符 3">
             <a:extLst>
               <a:ext uri="{FF2B5EF4-FFF2-40B4-BE49-F238E27FC236}">
-                <a16:creationId xmlns:a16="http://schemas.microsoft.com/office/drawing/2014/main" id="{E525A3D4-456B-8B87-2789-245ADC69A2BB}"/>
+                <a16:creationId xmlns:a16="http://schemas.microsoft.com/office/drawing/2014/main" id="{7A5A3A72-013F-B888-D414-03B2CA721942}"/>
               </a:ext>
             </a:extLst>
           </p:cNvPr>
@@ -1380,7 +1380,7 @@
           <p:cNvPr id="5" name="日期占位符 4">
             <a:extLst>
               <a:ext uri="{FF2B5EF4-FFF2-40B4-BE49-F238E27FC236}">
-                <a16:creationId xmlns:a16="http://schemas.microsoft.com/office/drawing/2014/main" id="{FBCBA134-E144-9242-F181-8E8A9922C910}"/>
+                <a16:creationId xmlns:a16="http://schemas.microsoft.com/office/drawing/2014/main" id="{301100FE-2EBD-12DA-9A9F-38F506CB0962}"/>
               </a:ext>
             </a:extLst>
           </p:cNvPr>
@@ -1396,7 +1396,7 @@
           <a:bodyPr/>
           <a:lstStyle/>
           <a:p>
-            <a:fld id="{095520ED-AA12-4AFE-8D86-6B2E6900762B}" type="datetimeFigureOut">
+            <a:fld id="{A479927D-8947-4D64-9BFA-D13DA818304B}" type="datetimeFigureOut">
               <a:rPr lang="zh-CN" altLang="en-US" smtClean="0"/>
               <a:t>2024/3/10</a:t>
             </a:fld>
@@ -1409,7 +1409,7 @@
           <p:cNvPr id="6" name="页脚占位符 5">
             <a:extLst>
               <a:ext uri="{FF2B5EF4-FFF2-40B4-BE49-F238E27FC236}">
-                <a16:creationId xmlns:a16="http://schemas.microsoft.com/office/drawing/2014/main" id="{9EFC7889-535D-7FFB-C25E-F824E0CEDD29}"/>
+                <a16:creationId xmlns:a16="http://schemas.microsoft.com/office/drawing/2014/main" id="{88E9B093-1C06-A6BD-BBA8-9A4CA2AC08C1}"/>
               </a:ext>
             </a:extLst>
           </p:cNvPr>
@@ -1434,7 +1434,7 @@
           <p:cNvPr id="7" name="灯片编号占位符 6">
             <a:extLst>
               <a:ext uri="{FF2B5EF4-FFF2-40B4-BE49-F238E27FC236}">
-                <a16:creationId xmlns:a16="http://schemas.microsoft.com/office/drawing/2014/main" id="{627AAD8E-A448-64EB-33D8-BE2EAC913C52}"/>
+                <a16:creationId xmlns:a16="http://schemas.microsoft.com/office/drawing/2014/main" id="{6DC39644-8E64-C223-BABB-D46F445BC453}"/>
               </a:ext>
             </a:extLst>
           </p:cNvPr>
@@ -1450,7 +1450,7 @@
           <a:bodyPr/>
           <a:lstStyle/>
           <a:p>
-            <a:fld id="{F245C698-53E8-47EB-9A5D-D3CA7EFC5388}" type="slidenum">
+            <a:fld id="{690568A8-2B20-4554-B004-A544ED699AD9}" type="slidenum">
               <a:rPr lang="zh-CN" altLang="en-US" smtClean="0"/>
               <a:t>‹#›</a:t>
             </a:fld>
@@ -1461,7 +1461,7 @@
     </p:spTree>
     <p:extLst>
       <p:ext uri="{BB962C8B-B14F-4D97-AF65-F5344CB8AC3E}">
-        <p14:creationId xmlns:p14="http://schemas.microsoft.com/office/powerpoint/2010/main" val="2557440052"/>
+        <p14:creationId xmlns:p14="http://schemas.microsoft.com/office/powerpoint/2010/main" val="957346163"/>
       </p:ext>
     </p:extLst>
   </p:cSld>
@@ -1493,7 +1493,7 @@
           <p:cNvPr id="2" name="标题 1">
             <a:extLst>
               <a:ext uri="{FF2B5EF4-FFF2-40B4-BE49-F238E27FC236}">
-                <a16:creationId xmlns:a16="http://schemas.microsoft.com/office/drawing/2014/main" id="{30E8D8F3-71CB-B252-B063-33760BFA2B2A}"/>
+                <a16:creationId xmlns:a16="http://schemas.microsoft.com/office/drawing/2014/main" id="{BD2F716B-7837-B44C-C8CA-5B0C71308C2F}"/>
               </a:ext>
             </a:extLst>
           </p:cNvPr>
@@ -1526,7 +1526,7 @@
           <p:cNvPr id="3" name="文本占位符 2">
             <a:extLst>
               <a:ext uri="{FF2B5EF4-FFF2-40B4-BE49-F238E27FC236}">
-                <a16:creationId xmlns:a16="http://schemas.microsoft.com/office/drawing/2014/main" id="{E4997BCC-CCE3-F161-D000-9FBF00970738}"/>
+                <a16:creationId xmlns:a16="http://schemas.microsoft.com/office/drawing/2014/main" id="{BA110D3B-2D33-E64A-E108-96A9E1951F60}"/>
               </a:ext>
             </a:extLst>
           </p:cNvPr>
@@ -1597,7 +1597,7 @@
           <p:cNvPr id="4" name="内容占位符 3">
             <a:extLst>
               <a:ext uri="{FF2B5EF4-FFF2-40B4-BE49-F238E27FC236}">
-                <a16:creationId xmlns:a16="http://schemas.microsoft.com/office/drawing/2014/main" id="{EFE7C1A5-35C9-3C47-A584-5E6952B2DC3C}"/>
+                <a16:creationId xmlns:a16="http://schemas.microsoft.com/office/drawing/2014/main" id="{5BE7AE8C-B71A-998B-CC98-66A405559605}"/>
               </a:ext>
             </a:extLst>
           </p:cNvPr>
@@ -1659,7 +1659,7 @@
           <p:cNvPr id="5" name="文本占位符 4">
             <a:extLst>
               <a:ext uri="{FF2B5EF4-FFF2-40B4-BE49-F238E27FC236}">
-                <a16:creationId xmlns:a16="http://schemas.microsoft.com/office/drawing/2014/main" id="{BE706FCD-6AB8-8581-C053-850DE19D1930}"/>
+                <a16:creationId xmlns:a16="http://schemas.microsoft.com/office/drawing/2014/main" id="{D0697D28-B2CA-867D-A869-EB8250FEDC86}"/>
               </a:ext>
             </a:extLst>
           </p:cNvPr>
@@ -1730,7 +1730,7 @@
           <p:cNvPr id="6" name="内容占位符 5">
             <a:extLst>
               <a:ext uri="{FF2B5EF4-FFF2-40B4-BE49-F238E27FC236}">
-                <a16:creationId xmlns:a16="http://schemas.microsoft.com/office/drawing/2014/main" id="{7A873D17-1C1D-BC71-ADF5-CC8EF886673C}"/>
+                <a16:creationId xmlns:a16="http://schemas.microsoft.com/office/drawing/2014/main" id="{3A23C75A-380A-3DB9-469F-CBD558FA88AA}"/>
               </a:ext>
             </a:extLst>
           </p:cNvPr>
@@ -1792,7 +1792,7 @@
           <p:cNvPr id="7" name="日期占位符 6">
             <a:extLst>
               <a:ext uri="{FF2B5EF4-FFF2-40B4-BE49-F238E27FC236}">
-                <a16:creationId xmlns:a16="http://schemas.microsoft.com/office/drawing/2014/main" id="{83C114E7-B892-9F0F-501B-9499C236ED05}"/>
+                <a16:creationId xmlns:a16="http://schemas.microsoft.com/office/drawing/2014/main" id="{3E035024-42AC-EFF3-8852-4C8DFD0CC230}"/>
               </a:ext>
             </a:extLst>
           </p:cNvPr>
@@ -1808,7 +1808,7 @@
           <a:bodyPr/>
           <a:lstStyle/>
           <a:p>
-            <a:fld id="{095520ED-AA12-4AFE-8D86-6B2E6900762B}" type="datetimeFigureOut">
+            <a:fld id="{A479927D-8947-4D64-9BFA-D13DA818304B}" type="datetimeFigureOut">
               <a:rPr lang="zh-CN" altLang="en-US" smtClean="0"/>
               <a:t>2024/3/10</a:t>
             </a:fld>
@@ -1821,7 +1821,7 @@
           <p:cNvPr id="8" name="页脚占位符 7">
             <a:extLst>
               <a:ext uri="{FF2B5EF4-FFF2-40B4-BE49-F238E27FC236}">
-                <a16:creationId xmlns:a16="http://schemas.microsoft.com/office/drawing/2014/main" id="{102C0BE8-720D-F87F-2551-5CCB79E2D281}"/>
+                <a16:creationId xmlns:a16="http://schemas.microsoft.com/office/drawing/2014/main" id="{90900ECB-CF9A-2CDF-1EA2-E74148FA3CD6}"/>
               </a:ext>
             </a:extLst>
           </p:cNvPr>
@@ -1846,7 +1846,7 @@
           <p:cNvPr id="9" name="灯片编号占位符 8">
             <a:extLst>
               <a:ext uri="{FF2B5EF4-FFF2-40B4-BE49-F238E27FC236}">
-                <a16:creationId xmlns:a16="http://schemas.microsoft.com/office/drawing/2014/main" id="{461AFD03-B481-8446-6F0E-9212D79D5DDD}"/>
+                <a16:creationId xmlns:a16="http://schemas.microsoft.com/office/drawing/2014/main" id="{DA2D024A-8AC7-ACF1-CA5E-37EBF5B8429F}"/>
               </a:ext>
             </a:extLst>
           </p:cNvPr>
@@ -1862,7 +1862,7 @@
           <a:bodyPr/>
           <a:lstStyle/>
           <a:p>
-            <a:fld id="{F245C698-53E8-47EB-9A5D-D3CA7EFC5388}" type="slidenum">
+            <a:fld id="{690568A8-2B20-4554-B004-A544ED699AD9}" type="slidenum">
               <a:rPr lang="zh-CN" altLang="en-US" smtClean="0"/>
               <a:t>‹#›</a:t>
             </a:fld>
@@ -1873,7 +1873,7 @@
     </p:spTree>
     <p:extLst>
       <p:ext uri="{BB962C8B-B14F-4D97-AF65-F5344CB8AC3E}">
-        <p14:creationId xmlns:p14="http://schemas.microsoft.com/office/powerpoint/2010/main" val="1112997586"/>
+        <p14:creationId xmlns:p14="http://schemas.microsoft.com/office/powerpoint/2010/main" val="1116901102"/>
       </p:ext>
     </p:extLst>
   </p:cSld>
@@ -1905,7 +1905,7 @@
           <p:cNvPr id="2" name="标题 1">
             <a:extLst>
               <a:ext uri="{FF2B5EF4-FFF2-40B4-BE49-F238E27FC236}">
-                <a16:creationId xmlns:a16="http://schemas.microsoft.com/office/drawing/2014/main" id="{09698A58-88D6-664C-EE5A-70F28EF54DC3}"/>
+                <a16:creationId xmlns:a16="http://schemas.microsoft.com/office/drawing/2014/main" id="{6E2971CA-D47E-9AFF-CE51-2B1ADF087756}"/>
               </a:ext>
             </a:extLst>
           </p:cNvPr>
@@ -1933,7 +1933,7 @@
           <p:cNvPr id="3" name="日期占位符 2">
             <a:extLst>
               <a:ext uri="{FF2B5EF4-FFF2-40B4-BE49-F238E27FC236}">
-                <a16:creationId xmlns:a16="http://schemas.microsoft.com/office/drawing/2014/main" id="{FE074FFB-9BDB-B4C3-5A90-46529081E535}"/>
+                <a16:creationId xmlns:a16="http://schemas.microsoft.com/office/drawing/2014/main" id="{A841169B-D973-E25A-E460-A3869DA2DEEF}"/>
               </a:ext>
             </a:extLst>
           </p:cNvPr>
@@ -1949,7 +1949,7 @@
           <a:bodyPr/>
           <a:lstStyle/>
           <a:p>
-            <a:fld id="{095520ED-AA12-4AFE-8D86-6B2E6900762B}" type="datetimeFigureOut">
+            <a:fld id="{A479927D-8947-4D64-9BFA-D13DA818304B}" type="datetimeFigureOut">
               <a:rPr lang="zh-CN" altLang="en-US" smtClean="0"/>
               <a:t>2024/3/10</a:t>
             </a:fld>
@@ -1962,7 +1962,7 @@
           <p:cNvPr id="4" name="页脚占位符 3">
             <a:extLst>
               <a:ext uri="{FF2B5EF4-FFF2-40B4-BE49-F238E27FC236}">
-                <a16:creationId xmlns:a16="http://schemas.microsoft.com/office/drawing/2014/main" id="{6F600D9E-F278-A9EC-670B-408E1817B757}"/>
+                <a16:creationId xmlns:a16="http://schemas.microsoft.com/office/drawing/2014/main" id="{1C3AC79C-061B-CDBE-1191-8A8B5F60DA77}"/>
               </a:ext>
             </a:extLst>
           </p:cNvPr>
@@ -1987,7 +1987,7 @@
           <p:cNvPr id="5" name="灯片编号占位符 4">
             <a:extLst>
               <a:ext uri="{FF2B5EF4-FFF2-40B4-BE49-F238E27FC236}">
-                <a16:creationId xmlns:a16="http://schemas.microsoft.com/office/drawing/2014/main" id="{80400531-B7D3-36FD-B8A7-82A60EFF0570}"/>
+                <a16:creationId xmlns:a16="http://schemas.microsoft.com/office/drawing/2014/main" id="{2C4FB1B2-70B7-7C27-EA6F-B67795F55AAC}"/>
               </a:ext>
             </a:extLst>
           </p:cNvPr>
@@ -2003,7 +2003,7 @@
           <a:bodyPr/>
           <a:lstStyle/>
           <a:p>
-            <a:fld id="{F245C698-53E8-47EB-9A5D-D3CA7EFC5388}" type="slidenum">
+            <a:fld id="{690568A8-2B20-4554-B004-A544ED699AD9}" type="slidenum">
               <a:rPr lang="zh-CN" altLang="en-US" smtClean="0"/>
               <a:t>‹#›</a:t>
             </a:fld>
@@ -2014,7 +2014,7 @@
     </p:spTree>
     <p:extLst>
       <p:ext uri="{BB962C8B-B14F-4D97-AF65-F5344CB8AC3E}">
-        <p14:creationId xmlns:p14="http://schemas.microsoft.com/office/powerpoint/2010/main" val="140053862"/>
+        <p14:creationId xmlns:p14="http://schemas.microsoft.com/office/powerpoint/2010/main" val="4224708159"/>
       </p:ext>
     </p:extLst>
   </p:cSld>
@@ -2046,7 +2046,7 @@
           <p:cNvPr id="2" name="日期占位符 1">
             <a:extLst>
               <a:ext uri="{FF2B5EF4-FFF2-40B4-BE49-F238E27FC236}">
-                <a16:creationId xmlns:a16="http://schemas.microsoft.com/office/drawing/2014/main" id="{33E44770-18BA-D27D-315D-C27841A774D1}"/>
+                <a16:creationId xmlns:a16="http://schemas.microsoft.com/office/drawing/2014/main" id="{D4A19AB2-1F28-3696-92B5-0B8051DFEA6A}"/>
               </a:ext>
             </a:extLst>
           </p:cNvPr>
@@ -2062,7 +2062,7 @@
           <a:bodyPr/>
           <a:lstStyle/>
           <a:p>
-            <a:fld id="{095520ED-AA12-4AFE-8D86-6B2E6900762B}" type="datetimeFigureOut">
+            <a:fld id="{A479927D-8947-4D64-9BFA-D13DA818304B}" type="datetimeFigureOut">
               <a:rPr lang="zh-CN" altLang="en-US" smtClean="0"/>
               <a:t>2024/3/10</a:t>
             </a:fld>
@@ -2075,7 +2075,7 @@
           <p:cNvPr id="3" name="页脚占位符 2">
             <a:extLst>
               <a:ext uri="{FF2B5EF4-FFF2-40B4-BE49-F238E27FC236}">
-                <a16:creationId xmlns:a16="http://schemas.microsoft.com/office/drawing/2014/main" id="{50640768-1D70-B693-F744-53FE322E3C8C}"/>
+                <a16:creationId xmlns:a16="http://schemas.microsoft.com/office/drawing/2014/main" id="{5DA756AF-0803-A337-2309-01C34ECBE04B}"/>
               </a:ext>
             </a:extLst>
           </p:cNvPr>
@@ -2100,7 +2100,7 @@
           <p:cNvPr id="4" name="灯片编号占位符 3">
             <a:extLst>
               <a:ext uri="{FF2B5EF4-FFF2-40B4-BE49-F238E27FC236}">
-                <a16:creationId xmlns:a16="http://schemas.microsoft.com/office/drawing/2014/main" id="{36A293FF-D2B9-4442-E8C5-38EFABB11EE0}"/>
+                <a16:creationId xmlns:a16="http://schemas.microsoft.com/office/drawing/2014/main" id="{D1FE631E-F98C-CE11-D034-1917AB3F2085}"/>
               </a:ext>
             </a:extLst>
           </p:cNvPr>
@@ -2116,7 +2116,7 @@
           <a:bodyPr/>
           <a:lstStyle/>
           <a:p>
-            <a:fld id="{F245C698-53E8-47EB-9A5D-D3CA7EFC5388}" type="slidenum">
+            <a:fld id="{690568A8-2B20-4554-B004-A544ED699AD9}" type="slidenum">
               <a:rPr lang="zh-CN" altLang="en-US" smtClean="0"/>
               <a:t>‹#›</a:t>
             </a:fld>
@@ -2127,7 +2127,7 @@
     </p:spTree>
     <p:extLst>
       <p:ext uri="{BB962C8B-B14F-4D97-AF65-F5344CB8AC3E}">
-        <p14:creationId xmlns:p14="http://schemas.microsoft.com/office/powerpoint/2010/main" val="2694068637"/>
+        <p14:creationId xmlns:p14="http://schemas.microsoft.com/office/powerpoint/2010/main" val="123622120"/>
       </p:ext>
     </p:extLst>
   </p:cSld>
@@ -2159,7 +2159,7 @@
           <p:cNvPr id="2" name="标题 1">
             <a:extLst>
               <a:ext uri="{FF2B5EF4-FFF2-40B4-BE49-F238E27FC236}">
-                <a16:creationId xmlns:a16="http://schemas.microsoft.com/office/drawing/2014/main" id="{370BB9AD-F821-F98A-C2D2-4154D5451C7A}"/>
+                <a16:creationId xmlns:a16="http://schemas.microsoft.com/office/drawing/2014/main" id="{69E94CDB-25B4-06E9-749D-D71E21507384}"/>
               </a:ext>
             </a:extLst>
           </p:cNvPr>
@@ -2196,7 +2196,7 @@
           <p:cNvPr id="3" name="内容占位符 2">
             <a:extLst>
               <a:ext uri="{FF2B5EF4-FFF2-40B4-BE49-F238E27FC236}">
-                <a16:creationId xmlns:a16="http://schemas.microsoft.com/office/drawing/2014/main" id="{F7C36B57-485E-28E4-B79C-511869D65ECD}"/>
+                <a16:creationId xmlns:a16="http://schemas.microsoft.com/office/drawing/2014/main" id="{FF9F1513-AA85-506C-D92D-ED37A64E16AC}"/>
               </a:ext>
             </a:extLst>
           </p:cNvPr>
@@ -2286,7 +2286,7 @@
           <p:cNvPr id="4" name="文本占位符 3">
             <a:extLst>
               <a:ext uri="{FF2B5EF4-FFF2-40B4-BE49-F238E27FC236}">
-                <a16:creationId xmlns:a16="http://schemas.microsoft.com/office/drawing/2014/main" id="{87518E98-ED02-7C2C-7545-0D8B5AFBF321}"/>
+                <a16:creationId xmlns:a16="http://schemas.microsoft.com/office/drawing/2014/main" id="{C9E5AE0A-8601-3E72-B319-C0464902FC3C}"/>
               </a:ext>
             </a:extLst>
           </p:cNvPr>
@@ -2357,7 +2357,7 @@
           <p:cNvPr id="5" name="日期占位符 4">
             <a:extLst>
               <a:ext uri="{FF2B5EF4-FFF2-40B4-BE49-F238E27FC236}">
-                <a16:creationId xmlns:a16="http://schemas.microsoft.com/office/drawing/2014/main" id="{CBE37C2F-46C7-5F23-5CD3-694CDB217A35}"/>
+                <a16:creationId xmlns:a16="http://schemas.microsoft.com/office/drawing/2014/main" id="{2E22D724-199F-A05F-88EB-D3D174EE11C5}"/>
               </a:ext>
             </a:extLst>
           </p:cNvPr>
@@ -2373,7 +2373,7 @@
           <a:bodyPr/>
           <a:lstStyle/>
           <a:p>
-            <a:fld id="{095520ED-AA12-4AFE-8D86-6B2E6900762B}" type="datetimeFigureOut">
+            <a:fld id="{A479927D-8947-4D64-9BFA-D13DA818304B}" type="datetimeFigureOut">
               <a:rPr lang="zh-CN" altLang="en-US" smtClean="0"/>
               <a:t>2024/3/10</a:t>
             </a:fld>
@@ -2386,7 +2386,7 @@
           <p:cNvPr id="6" name="页脚占位符 5">
             <a:extLst>
               <a:ext uri="{FF2B5EF4-FFF2-40B4-BE49-F238E27FC236}">
-                <a16:creationId xmlns:a16="http://schemas.microsoft.com/office/drawing/2014/main" id="{5A53DA31-E6EC-F4B5-C651-A3484D33C2CD}"/>
+                <a16:creationId xmlns:a16="http://schemas.microsoft.com/office/drawing/2014/main" id="{CC047875-7F5D-D847-F17A-06B7852303AA}"/>
               </a:ext>
             </a:extLst>
           </p:cNvPr>
@@ -2411,7 +2411,7 @@
           <p:cNvPr id="7" name="灯片编号占位符 6">
             <a:extLst>
               <a:ext uri="{FF2B5EF4-FFF2-40B4-BE49-F238E27FC236}">
-                <a16:creationId xmlns:a16="http://schemas.microsoft.com/office/drawing/2014/main" id="{A3AF5480-055D-9F0F-3467-55BD2A0868C1}"/>
+                <a16:creationId xmlns:a16="http://schemas.microsoft.com/office/drawing/2014/main" id="{9B75C3F3-A39E-073A-5EB7-FD4067FBA470}"/>
               </a:ext>
             </a:extLst>
           </p:cNvPr>
@@ -2427,7 +2427,7 @@
           <a:bodyPr/>
           <a:lstStyle/>
           <a:p>
-            <a:fld id="{F245C698-53E8-47EB-9A5D-D3CA7EFC5388}" type="slidenum">
+            <a:fld id="{690568A8-2B20-4554-B004-A544ED699AD9}" type="slidenum">
               <a:rPr lang="zh-CN" altLang="en-US" smtClean="0"/>
               <a:t>‹#›</a:t>
             </a:fld>
@@ -2438,7 +2438,7 @@
     </p:spTree>
     <p:extLst>
       <p:ext uri="{BB962C8B-B14F-4D97-AF65-F5344CB8AC3E}">
-        <p14:creationId xmlns:p14="http://schemas.microsoft.com/office/powerpoint/2010/main" val="2679261773"/>
+        <p14:creationId xmlns:p14="http://schemas.microsoft.com/office/powerpoint/2010/main" val="1177526882"/>
       </p:ext>
     </p:extLst>
   </p:cSld>
@@ -2470,7 +2470,7 @@
           <p:cNvPr id="2" name="标题 1">
             <a:extLst>
               <a:ext uri="{FF2B5EF4-FFF2-40B4-BE49-F238E27FC236}">
-                <a16:creationId xmlns:a16="http://schemas.microsoft.com/office/drawing/2014/main" id="{8BE5C55F-ADBA-3099-645D-4F97A26496D1}"/>
+                <a16:creationId xmlns:a16="http://schemas.microsoft.com/office/drawing/2014/main" id="{2EDBB805-EA04-3972-928F-EDD5E1DF7B56}"/>
               </a:ext>
             </a:extLst>
           </p:cNvPr>
@@ -2507,7 +2507,7 @@
           <p:cNvPr id="3" name="图片占位符 2">
             <a:extLst>
               <a:ext uri="{FF2B5EF4-FFF2-40B4-BE49-F238E27FC236}">
-                <a16:creationId xmlns:a16="http://schemas.microsoft.com/office/drawing/2014/main" id="{BF1947AD-361E-09AC-AED3-7721AA47EC51}"/>
+                <a16:creationId xmlns:a16="http://schemas.microsoft.com/office/drawing/2014/main" id="{9BA12A29-F10C-BE67-03DF-52E57820810C}"/>
               </a:ext>
             </a:extLst>
           </p:cNvPr>
@@ -2574,7 +2574,7 @@
           <p:cNvPr id="4" name="文本占位符 3">
             <a:extLst>
               <a:ext uri="{FF2B5EF4-FFF2-40B4-BE49-F238E27FC236}">
-                <a16:creationId xmlns:a16="http://schemas.microsoft.com/office/drawing/2014/main" id="{AEC105F1-9A16-A6D7-1BC4-69E3775E133E}"/>
+                <a16:creationId xmlns:a16="http://schemas.microsoft.com/office/drawing/2014/main" id="{BF348218-98AA-2ADB-B5C0-01DE134613D5}"/>
               </a:ext>
             </a:extLst>
           </p:cNvPr>
@@ -2645,7 +2645,7 @@
           <p:cNvPr id="5" name="日期占位符 4">
             <a:extLst>
               <a:ext uri="{FF2B5EF4-FFF2-40B4-BE49-F238E27FC236}">
-                <a16:creationId xmlns:a16="http://schemas.microsoft.com/office/drawing/2014/main" id="{CEA7D725-3024-A63E-88A1-F16490CA5965}"/>
+                <a16:creationId xmlns:a16="http://schemas.microsoft.com/office/drawing/2014/main" id="{745C7D4F-B02F-FE43-1677-CA3A040D5E37}"/>
               </a:ext>
             </a:extLst>
           </p:cNvPr>
@@ -2661,7 +2661,7 @@
           <a:bodyPr/>
           <a:lstStyle/>
           <a:p>
-            <a:fld id="{095520ED-AA12-4AFE-8D86-6B2E6900762B}" type="datetimeFigureOut">
+            <a:fld id="{A479927D-8947-4D64-9BFA-D13DA818304B}" type="datetimeFigureOut">
               <a:rPr lang="zh-CN" altLang="en-US" smtClean="0"/>
               <a:t>2024/3/10</a:t>
             </a:fld>
@@ -2674,7 +2674,7 @@
           <p:cNvPr id="6" name="页脚占位符 5">
             <a:extLst>
               <a:ext uri="{FF2B5EF4-FFF2-40B4-BE49-F238E27FC236}">
-                <a16:creationId xmlns:a16="http://schemas.microsoft.com/office/drawing/2014/main" id="{E84E1BC1-AF59-AF68-2903-2D5E25DC3F9E}"/>
+                <a16:creationId xmlns:a16="http://schemas.microsoft.com/office/drawing/2014/main" id="{2C3A241E-5303-4486-3AED-09D1394AC649}"/>
               </a:ext>
             </a:extLst>
           </p:cNvPr>
@@ -2699,7 +2699,7 @@
           <p:cNvPr id="7" name="灯片编号占位符 6">
             <a:extLst>
               <a:ext uri="{FF2B5EF4-FFF2-40B4-BE49-F238E27FC236}">
-                <a16:creationId xmlns:a16="http://schemas.microsoft.com/office/drawing/2014/main" id="{8258A4F8-F2FE-1BC0-9881-BE03A85A3FCA}"/>
+                <a16:creationId xmlns:a16="http://schemas.microsoft.com/office/drawing/2014/main" id="{48EC382B-1E90-84C8-EFAD-0DC74CBA63DA}"/>
               </a:ext>
             </a:extLst>
           </p:cNvPr>
@@ -2715,7 +2715,7 @@
           <a:bodyPr/>
           <a:lstStyle/>
           <a:p>
-            <a:fld id="{F245C698-53E8-47EB-9A5D-D3CA7EFC5388}" type="slidenum">
+            <a:fld id="{690568A8-2B20-4554-B004-A544ED699AD9}" type="slidenum">
               <a:rPr lang="zh-CN" altLang="en-US" smtClean="0"/>
               <a:t>‹#›</a:t>
             </a:fld>
@@ -2726,7 +2726,7 @@
     </p:spTree>
     <p:extLst>
       <p:ext uri="{BB962C8B-B14F-4D97-AF65-F5344CB8AC3E}">
-        <p14:creationId xmlns:p14="http://schemas.microsoft.com/office/powerpoint/2010/main" val="829533929"/>
+        <p14:creationId xmlns:p14="http://schemas.microsoft.com/office/powerpoint/2010/main" val="1698462605"/>
       </p:ext>
     </p:extLst>
   </p:cSld>
@@ -2763,7 +2763,7 @@
           <p:cNvPr id="2" name="标题占位符 1">
             <a:extLst>
               <a:ext uri="{FF2B5EF4-FFF2-40B4-BE49-F238E27FC236}">
-                <a16:creationId xmlns:a16="http://schemas.microsoft.com/office/drawing/2014/main" id="{80840265-E3E5-23E1-CF5E-6EFC7DC618D0}"/>
+                <a16:creationId xmlns:a16="http://schemas.microsoft.com/office/drawing/2014/main" id="{B73B6FB3-92FA-D84E-06FB-EDF0EF6324EE}"/>
               </a:ext>
             </a:extLst>
           </p:cNvPr>
@@ -2801,7 +2801,7 @@
           <p:cNvPr id="3" name="文本占位符 2">
             <a:extLst>
               <a:ext uri="{FF2B5EF4-FFF2-40B4-BE49-F238E27FC236}">
-                <a16:creationId xmlns:a16="http://schemas.microsoft.com/office/drawing/2014/main" id="{B2D88626-BEBB-683D-6592-45BA765021BE}"/>
+                <a16:creationId xmlns:a16="http://schemas.microsoft.com/office/drawing/2014/main" id="{A42B379F-4D41-C792-30DD-DFBA42F384A3}"/>
               </a:ext>
             </a:extLst>
           </p:cNvPr>
@@ -2868,7 +2868,7 @@
           <p:cNvPr id="4" name="日期占位符 3">
             <a:extLst>
               <a:ext uri="{FF2B5EF4-FFF2-40B4-BE49-F238E27FC236}">
-                <a16:creationId xmlns:a16="http://schemas.microsoft.com/office/drawing/2014/main" id="{E3DC9684-8D85-139F-26FD-1BC0027FF743}"/>
+                <a16:creationId xmlns:a16="http://schemas.microsoft.com/office/drawing/2014/main" id="{59C832F3-15A4-9D58-4E08-EA933975597A}"/>
               </a:ext>
             </a:extLst>
           </p:cNvPr>
@@ -2902,7 +2902,7 @@
             </a:lvl1pPr>
           </a:lstStyle>
           <a:p>
-            <a:fld id="{095520ED-AA12-4AFE-8D86-6B2E6900762B}" type="datetimeFigureOut">
+            <a:fld id="{A479927D-8947-4D64-9BFA-D13DA818304B}" type="datetimeFigureOut">
               <a:rPr lang="zh-CN" altLang="en-US" smtClean="0"/>
               <a:t>2024/3/10</a:t>
             </a:fld>
@@ -2915,7 +2915,7 @@
           <p:cNvPr id="5" name="页脚占位符 4">
             <a:extLst>
               <a:ext uri="{FF2B5EF4-FFF2-40B4-BE49-F238E27FC236}">
-                <a16:creationId xmlns:a16="http://schemas.microsoft.com/office/drawing/2014/main" id="{38556DB0-E799-6026-5061-53BEAB0FBEE5}"/>
+                <a16:creationId xmlns:a16="http://schemas.microsoft.com/office/drawing/2014/main" id="{D9C0DA08-D7F7-F0C8-E859-269904BD36D5}"/>
               </a:ext>
             </a:extLst>
           </p:cNvPr>
@@ -2958,7 +2958,7 @@
           <p:cNvPr id="6" name="灯片编号占位符 5">
             <a:extLst>
               <a:ext uri="{FF2B5EF4-FFF2-40B4-BE49-F238E27FC236}">
-                <a16:creationId xmlns:a16="http://schemas.microsoft.com/office/drawing/2014/main" id="{CB65D034-6E33-5302-6DEA-060142471E4F}"/>
+                <a16:creationId xmlns:a16="http://schemas.microsoft.com/office/drawing/2014/main" id="{DD267ED6-B484-C17D-735E-79FC41EEBB62}"/>
               </a:ext>
             </a:extLst>
           </p:cNvPr>
@@ -2992,7 +2992,7 @@
             </a:lvl1pPr>
           </a:lstStyle>
           <a:p>
-            <a:fld id="{F245C698-53E8-47EB-9A5D-D3CA7EFC5388}" type="slidenum">
+            <a:fld id="{690568A8-2B20-4554-B004-A544ED699AD9}" type="slidenum">
               <a:rPr lang="zh-CN" altLang="en-US" smtClean="0"/>
               <a:t>‹#›</a:t>
             </a:fld>
@@ -3003,7 +3003,7 @@
     </p:spTree>
     <p:extLst>
       <p:ext uri="{BB962C8B-B14F-4D97-AF65-F5344CB8AC3E}">
-        <p14:creationId xmlns:p14="http://schemas.microsoft.com/office/powerpoint/2010/main" val="3330656286"/>
+        <p14:creationId xmlns:p14="http://schemas.microsoft.com/office/powerpoint/2010/main" val="2113546319"/>
       </p:ext>
     </p:extLst>
   </p:cSld>
